--- a/Documentaciones/Mejoramiento de perfil de GitHub/Mejorar_perfil_GitHub.pptx
+++ b/Documentaciones/Mejoramiento de perfil de GitHub/Mejorar_perfil_GitHub.pptx
@@ -114,6 +114,11 @@
       </a:defRPr>
     </a:lvl9pPr>
   </p:defaultTextStyle>
+  <p:extLst>
+    <p:ext uri="{EFAFB233-063F-42B5-8137-9DF3F51BA10A}">
+      <p15:sldGuideLst xmlns:p15="http://schemas.microsoft.com/office/powerpoint/2012/main"/>
+    </p:ext>
+  </p:extLst>
 </p:presentation>
 </file>
 
@@ -308,7 +313,7 @@
           <a:p>
             <a:fld id="{9AB3A824-1A51-4B26-AD58-A6D8E14F6C04}" type="datetimeFigureOut">
               <a:rPr lang="en-US" smtClean="0"/>
-              <a:t>3/2/2023</a:t>
+              <a:t>3/5/2023</a:t>
             </a:fld>
             <a:endParaRPr lang="en-US" dirty="0"/>
           </a:p>
@@ -749,7 +754,7 @@
           <a:p>
             <a:fld id="{3CBC1C18-307B-4F68-A007-B5B542270E8D}" type="datetimeFigureOut">
               <a:rPr lang="en-US" smtClean="0"/>
-              <a:t>3/2/2023</a:t>
+              <a:t>3/5/2023</a:t>
             </a:fld>
             <a:endParaRPr lang="en-US" dirty="0"/>
           </a:p>
@@ -1006,7 +1011,7 @@
           <a:p>
             <a:fld id="{3CBC1C18-307B-4F68-A007-B5B542270E8D}" type="datetimeFigureOut">
               <a:rPr lang="en-US" smtClean="0"/>
-              <a:t>3/2/2023</a:t>
+              <a:t>3/5/2023</a:t>
             </a:fld>
             <a:endParaRPr lang="en-US" dirty="0"/>
           </a:p>
@@ -1321,7 +1326,7 @@
           <a:p>
             <a:fld id="{3CBC1C18-307B-4F68-A007-B5B542270E8D}" type="datetimeFigureOut">
               <a:rPr lang="en-US" smtClean="0"/>
-              <a:t>3/2/2023</a:t>
+              <a:t>3/5/2023</a:t>
             </a:fld>
             <a:endParaRPr lang="en-US" dirty="0"/>
           </a:p>
@@ -1646,7 +1651,7 @@
           <a:p>
             <a:fld id="{3CBC1C18-307B-4F68-A007-B5B542270E8D}" type="datetimeFigureOut">
               <a:rPr lang="en-US" smtClean="0"/>
-              <a:t>3/2/2023</a:t>
+              <a:t>3/5/2023</a:t>
             </a:fld>
             <a:endParaRPr lang="en-US" dirty="0"/>
           </a:p>
@@ -1955,7 +1960,7 @@
           <a:p>
             <a:fld id="{3CBC1C18-307B-4F68-A007-B5B542270E8D}" type="datetimeFigureOut">
               <a:rPr lang="en-US" smtClean="0"/>
-              <a:t>3/2/2023</a:t>
+              <a:t>3/5/2023</a:t>
             </a:fld>
             <a:endParaRPr lang="en-US" dirty="0"/>
           </a:p>
@@ -2329,7 +2334,7 @@
           <a:p>
             <a:fld id="{3CBC1C18-307B-4F68-A007-B5B542270E8D}" type="datetimeFigureOut">
               <a:rPr lang="en-US" smtClean="0"/>
-              <a:t>3/2/2023</a:t>
+              <a:t>3/5/2023</a:t>
             </a:fld>
             <a:endParaRPr lang="en-US" dirty="0"/>
           </a:p>
@@ -2510,7 +2515,7 @@
           <a:p>
             <a:fld id="{D857E33E-8B18-4087-B112-809917729534}" type="datetimeFigureOut">
               <a:rPr lang="en-US" smtClean="0"/>
-              <a:t>3/2/2023</a:t>
+              <a:t>3/5/2023</a:t>
             </a:fld>
             <a:endParaRPr lang="en-US" dirty="0"/>
           </a:p>
@@ -2695,7 +2700,7 @@
           <a:p>
             <a:fld id="{D3FFE419-2371-464F-8239-3959401C3561}" type="datetimeFigureOut">
               <a:rPr lang="en-US" smtClean="0"/>
-              <a:t>3/2/2023</a:t>
+              <a:t>3/5/2023</a:t>
             </a:fld>
             <a:endParaRPr lang="en-US" dirty="0"/>
           </a:p>
@@ -2870,7 +2875,7 @@
           <a:p>
             <a:fld id="{97D162C4-EDD9-4389-A98B-B87ECEA2A816}" type="datetimeFigureOut">
               <a:rPr lang="en-US" smtClean="0"/>
-              <a:t>3/2/2023</a:t>
+              <a:t>3/5/2023</a:t>
             </a:fld>
             <a:endParaRPr lang="en-US" dirty="0"/>
           </a:p>
@@ -3125,7 +3130,7 @@
           <a:p>
             <a:fld id="{3E5059C3-6A89-4494-99FF-5A4D6FFD50EB}" type="datetimeFigureOut">
               <a:rPr lang="en-US" smtClean="0"/>
-              <a:t>3/2/2023</a:t>
+              <a:t>3/5/2023</a:t>
             </a:fld>
             <a:endParaRPr lang="en-US" dirty="0"/>
           </a:p>
@@ -3366,7 +3371,7 @@
           <a:p>
             <a:fld id="{CA954B2F-12DE-47F5-8894-472B206D2E1E}" type="datetimeFigureOut">
               <a:rPr lang="en-US" smtClean="0"/>
-              <a:t>3/2/2023</a:t>
+              <a:t>3/5/2023</a:t>
             </a:fld>
             <a:endParaRPr lang="en-US" dirty="0"/>
           </a:p>
@@ -3753,7 +3758,7 @@
           <a:p>
             <a:fld id="{3F30E46F-7819-4ACF-B48B-48222C2ACC88}" type="datetimeFigureOut">
               <a:rPr lang="en-US" smtClean="0"/>
-              <a:t>3/2/2023</a:t>
+              <a:t>3/5/2023</a:t>
             </a:fld>
             <a:endParaRPr lang="en-US" dirty="0"/>
           </a:p>
@@ -3876,7 +3881,7 @@
           <a:p>
             <a:fld id="{1FAF3416-4057-4DAA-829D-4CA07428D088}" type="datetimeFigureOut">
               <a:rPr lang="en-US" smtClean="0"/>
-              <a:t>3/2/2023</a:t>
+              <a:t>3/5/2023</a:t>
             </a:fld>
             <a:endParaRPr lang="en-US" dirty="0"/>
           </a:p>
@@ -3976,7 +3981,7 @@
           <a:p>
             <a:fld id="{921D9284-D300-4297-87F7-E791DCC15DB1}" type="datetimeFigureOut">
               <a:rPr lang="en-US" smtClean="0"/>
-              <a:t>3/2/2023</a:t>
+              <a:t>3/5/2023</a:t>
             </a:fld>
             <a:endParaRPr lang="en-US" dirty="0"/>
           </a:p>
@@ -4236,7 +4241,7 @@
           <a:p>
             <a:fld id="{37D525BB-DA17-4BA0-B3C8-3AC3ABC827E6}" type="datetimeFigureOut">
               <a:rPr lang="en-US" smtClean="0"/>
-              <a:t>3/2/2023</a:t>
+              <a:t>3/5/2023</a:t>
             </a:fld>
             <a:endParaRPr lang="en-US" dirty="0"/>
           </a:p>
@@ -4524,7 +4529,7 @@
           <a:p>
             <a:fld id="{B16C4C9A-3960-41CF-A4E9-2A8FB932454B}" type="datetimeFigureOut">
               <a:rPr lang="en-US" smtClean="0"/>
-              <a:t>3/2/2023</a:t>
+              <a:t>3/5/2023</a:t>
             </a:fld>
             <a:endParaRPr lang="en-US" dirty="0"/>
           </a:p>
@@ -4935,7 +4940,7 @@
           <a:p>
             <a:fld id="{3CBC1C18-307B-4F68-A007-B5B542270E8D}" type="datetimeFigureOut">
               <a:rPr lang="en-US" smtClean="0"/>
-              <a:t>3/2/2023</a:t>
+              <a:t>3/5/2023</a:t>
             </a:fld>
             <a:endParaRPr lang="en-US" dirty="0"/>
           </a:p>
@@ -6220,7 +6225,34 @@
                 <a:ea typeface="Calibri" panose="020F0502020204030204" pitchFamily="34" charset="0"/>
                 <a:cs typeface="Times New Roman" panose="02020603050405020304" pitchFamily="18" charset="0"/>
               </a:rPr>
-              <a:t>Para mejorar le perfil de GitHub puedes agregar un archivo </a:t>
+              <a:t>Para mejorar </a:t>
+            </a:r>
+            <a:r>
+              <a:rPr lang="es-CL" sz="1800" dirty="0">
+                <a:solidFill>
+                  <a:schemeClr val="bg2">
+                    <a:lumMod val="50000"/>
+                  </a:schemeClr>
+                </a:solidFill>
+                <a:latin typeface="Calibri" panose="020F0502020204030204" pitchFamily="34" charset="0"/>
+                <a:ea typeface="Calibri" panose="020F0502020204030204" pitchFamily="34" charset="0"/>
+                <a:cs typeface="Times New Roman" panose="02020603050405020304" pitchFamily="18" charset="0"/>
+              </a:rPr>
+              <a:t>el</a:t>
+            </a:r>
+            <a:r>
+              <a:rPr lang="es-CL" sz="1800" dirty="0">
+                <a:solidFill>
+                  <a:schemeClr val="bg2">
+                    <a:lumMod val="50000"/>
+                  </a:schemeClr>
+                </a:solidFill>
+                <a:effectLst/>
+                <a:latin typeface="Calibri" panose="020F0502020204030204" pitchFamily="34" charset="0"/>
+                <a:ea typeface="Calibri" panose="020F0502020204030204" pitchFamily="34" charset="0"/>
+                <a:cs typeface="Times New Roman" panose="02020603050405020304" pitchFamily="18" charset="0"/>
+              </a:rPr>
+              <a:t> perfil de GitHub puedes agregar un archivo </a:t>
             </a:r>
             <a:r>
               <a:rPr lang="es-CL" sz="1800" b="1" dirty="0">
@@ -7320,17 +7352,17 @@
           </a:lstStyle>
           <a:p>
             <a:r>
-              <a:rPr lang="es-ES">
+              <a:rPr lang="es-ES" dirty="0">
                 <a:latin typeface="Consolas" panose="020B0609020204030204" pitchFamily="49" charset="0"/>
               </a:rPr>
               <a:t>¿</a:t>
             </a:r>
             <a:r>
-              <a:rPr lang="es-ES"/>
+              <a:rPr lang="es-ES" dirty="0"/>
               <a:t>Cómo editar un archivo readme.md</a:t>
             </a:r>
             <a:r>
-              <a:rPr lang="es-ES">
+              <a:rPr lang="es-ES" dirty="0">
                 <a:latin typeface="Consolas" panose="020B0609020204030204" pitchFamily="49" charset="0"/>
               </a:rPr>
               <a:t>?</a:t>
